--- a/Paper/fig/Map_1_and_7_training_data.pptx
+++ b/Paper/fig/Map_1_and_7_training_data.pptx
@@ -106,7 +106,7 @@
   </p:defaultTextStyle>
   <p:extLst>
     <p:ext uri="{EFAFB233-063F-42B5-8137-9DF3F51BA10A}">
-      <p15:sldGuideLst xmlns:p15="http://schemas.microsoft.com/office/powerpoint/2012/main">
+      <p15:sldGuideLst xmlns:p15="http://schemas.microsoft.com/office/powerpoint/2012/main" xmlns="">
         <p15:guide id="1" orient="horz" pos="2160">
           <p15:clr>
             <a:srgbClr val="A4A3A4"/>
@@ -121,6 +121,878 @@
     </p:ext>
   </p:extLst>
 </p:presentation>
+</file>
+
+<file path=ppt/charts/chart1.xml><?xml version="1.0" encoding="utf-8"?>
+<c:chartSpace xmlns:c="http://schemas.openxmlformats.org/drawingml/2006/chart" xmlns:a="http://schemas.openxmlformats.org/drawingml/2006/main" xmlns:r="http://schemas.openxmlformats.org/officeDocument/2006/relationships">
+  <c:date1904 val="0"/>
+  <c:lang val="en-US"/>
+  <c:roundedCorners val="0"/>
+  <mc:AlternateContent xmlns:mc="http://schemas.openxmlformats.org/markup-compatibility/2006">
+    <mc:Choice xmlns:c14="http://schemas.microsoft.com/office/drawing/2007/8/2/chart" Requires="c14">
+      <c14:style val="102"/>
+    </mc:Choice>
+    <mc:Fallback>
+      <c:style val="2"/>
+    </mc:Fallback>
+  </mc:AlternateContent>
+  <c:chart>
+    <c:autoTitleDeleted val="0"/>
+    <c:plotArea>
+      <c:layout>
+        <c:manualLayout>
+          <c:layoutTarget val="inner"/>
+          <c:xMode val="edge"/>
+          <c:yMode val="edge"/>
+          <c:x val="0.2094504593175853"/>
+          <c:y val="5.4398148148148147E-2"/>
+          <c:w val="0.72687718722659667"/>
+          <c:h val="0.74239246135899684"/>
+        </c:manualLayout>
+      </c:layout>
+      <c:scatterChart>
+        <c:scatterStyle val="lineMarker"/>
+        <c:varyColors val="0"/>
+        <c:ser>
+          <c:idx val="0"/>
+          <c:order val="0"/>
+          <c:tx>
+            <c:v>Map 1</c:v>
+          </c:tx>
+          <c:spPr>
+            <a:ln w="28575">
+              <a:noFill/>
+            </a:ln>
+          </c:spPr>
+          <c:marker>
+            <c:symbol val="diamond"/>
+            <c:size val="20"/>
+            <c:spPr>
+              <a:solidFill>
+                <a:srgbClr val="4F81BD">
+                  <a:alpha val="50196"/>
+                </a:srgbClr>
+              </a:solidFill>
+              <a:ln>
+                <a:solidFill>
+                  <a:schemeClr val="tx1"/>
+                </a:solidFill>
+              </a:ln>
+            </c:spPr>
+          </c:marker>
+          <c:xVal>
+            <c:numRef>
+              <c:f>Sheet1!$C$3:$C$72</c:f>
+              <c:numCache>
+                <c:formatCode>General</c:formatCode>
+                <c:ptCount val="70"/>
+                <c:pt idx="0">
+                  <c:v>-14.990149439887329</c:v>
+                </c:pt>
+                <c:pt idx="1">
+                  <c:v>-12.247133533559522</c:v>
+                </c:pt>
+                <c:pt idx="2">
+                  <c:v>-9.4513255468591115</c:v>
+                </c:pt>
+                <c:pt idx="3">
+                  <c:v>-6.6579386179050557</c:v>
+                </c:pt>
+                <c:pt idx="4">
+                  <c:v>-3.9017228508913329</c:v>
+                </c:pt>
+                <c:pt idx="5">
+                  <c:v>-1.1272127280365001</c:v>
+                </c:pt>
+                <c:pt idx="6">
+                  <c:v>1.6999238798422784</c:v>
+                </c:pt>
+                <c:pt idx="7">
+                  <c:v>4.443477471252832</c:v>
+                </c:pt>
+                <c:pt idx="8">
+                  <c:v>7.2253860712686677</c:v>
+                </c:pt>
+                <c:pt idx="9">
+                  <c:v>10.013959349290444</c:v>
+                </c:pt>
+                <c:pt idx="10">
+                  <c:v>12.787110993700498</c:v>
+                </c:pt>
+                <c:pt idx="11">
+                  <c:v>-15.022134911463516</c:v>
+                </c:pt>
+                <c:pt idx="12">
+                  <c:v>-12.220124106586665</c:v>
+                </c:pt>
+                <c:pt idx="13">
+                  <c:v>-9.4411271612376115</c:v>
+                </c:pt>
+                <c:pt idx="14">
+                  <c:v>-6.6921413047550553</c:v>
+                </c:pt>
+                <c:pt idx="15">
+                  <c:v>-1.1301204529311666</c:v>
+                </c:pt>
+                <c:pt idx="16">
+                  <c:v>1.6427956881661663</c:v>
+                </c:pt>
+                <c:pt idx="17">
+                  <c:v>7.2125039682703314</c:v>
+                </c:pt>
+                <c:pt idx="18">
+                  <c:v>10.013641309564333</c:v>
+                </c:pt>
+                <c:pt idx="19">
+                  <c:v>12.78900418626611</c:v>
+                </c:pt>
+                <c:pt idx="20">
+                  <c:v>-15.017997446666193</c:v>
+                </c:pt>
+                <c:pt idx="21">
+                  <c:v>-12.207836899156444</c:v>
+                </c:pt>
+                <c:pt idx="22">
+                  <c:v>-6.7178065311813322</c:v>
+                </c:pt>
+                <c:pt idx="23">
+                  <c:v>-3.9095718219063889</c:v>
+                </c:pt>
+                <c:pt idx="24">
+                  <c:v>-1.1218498440693341</c:v>
+                </c:pt>
+                <c:pt idx="25">
+                  <c:v>4.4322466044448321</c:v>
+                </c:pt>
+                <c:pt idx="26">
+                  <c:v>7.2139087229033905</c:v>
+                </c:pt>
+                <c:pt idx="27">
+                  <c:v>12.792586501757057</c:v>
+                </c:pt>
+                <c:pt idx="28">
+                  <c:v>-15.024238196813037</c:v>
+                </c:pt>
+                <c:pt idx="29">
+                  <c:v>-12.211810583590557</c:v>
+                </c:pt>
+                <c:pt idx="30">
+                  <c:v>-9.4191499711235007</c:v>
+                </c:pt>
+                <c:pt idx="31">
+                  <c:v>-1.1213996390984446</c:v>
+                </c:pt>
+                <c:pt idx="32">
+                  <c:v>1.6508507017126126</c:v>
+                </c:pt>
+                <c:pt idx="33">
+                  <c:v>7.2234681225746655</c:v>
+                </c:pt>
+                <c:pt idx="34">
+                  <c:v>10.010269033235556</c:v>
+                </c:pt>
+                <c:pt idx="35">
+                  <c:v>12.761752769399221</c:v>
+                </c:pt>
+                <c:pt idx="36">
+                  <c:v>-15.00149446267759</c:v>
+                </c:pt>
+                <c:pt idx="37">
+                  <c:v>-9.4398329320416661</c:v>
+                </c:pt>
+                <c:pt idx="38">
+                  <c:v>1.6690753956388902</c:v>
+                </c:pt>
+                <c:pt idx="39">
+                  <c:v>4.462418335221332</c:v>
+                </c:pt>
+                <c:pt idx="40">
+                  <c:v>7.2208643743642789</c:v>
+                </c:pt>
+                <c:pt idx="41">
+                  <c:v>12.790662000070554</c:v>
+                </c:pt>
+                <c:pt idx="42">
+                  <c:v>-14.99573189667435</c:v>
+                </c:pt>
+                <c:pt idx="43">
+                  <c:v>-12.235294893600798</c:v>
+                </c:pt>
+                <c:pt idx="44">
+                  <c:v>-6.6419562241267212</c:v>
+                </c:pt>
+                <c:pt idx="45">
+                  <c:v>-3.9005158998816114</c:v>
+                </c:pt>
+                <c:pt idx="46">
+                  <c:v>-1.1221248928789447</c:v>
+                </c:pt>
+                <c:pt idx="47">
+                  <c:v>1.6866944795283898</c:v>
+                </c:pt>
+                <c:pt idx="48">
+                  <c:v>7.1970435803600568</c:v>
+                </c:pt>
+                <c:pt idx="49">
+                  <c:v>9.9765103424501653</c:v>
+                </c:pt>
+                <c:pt idx="50">
+                  <c:v>12.790459988441832</c:v>
+                </c:pt>
+                <c:pt idx="51">
+                  <c:v>-14.984672226696066</c:v>
+                </c:pt>
+                <c:pt idx="52">
+                  <c:v>-12.239996095723633</c:v>
+                </c:pt>
+                <c:pt idx="53">
+                  <c:v>-9.4286423312498329</c:v>
+                </c:pt>
+                <c:pt idx="54">
+                  <c:v>-6.6614125454548887</c:v>
+                </c:pt>
+                <c:pt idx="55">
+                  <c:v>-3.9082054196136102</c:v>
+                </c:pt>
+                <c:pt idx="56">
+                  <c:v>1.678604442562555</c:v>
+                </c:pt>
+                <c:pt idx="57">
+                  <c:v>4.4490651229831117</c:v>
+                </c:pt>
+                <c:pt idx="58">
+                  <c:v>7.2283968656627211</c:v>
+                </c:pt>
+                <c:pt idx="59">
+                  <c:v>12.809389501466775</c:v>
+                </c:pt>
+                <c:pt idx="60">
+                  <c:v>-12.210102549749223</c:v>
+                </c:pt>
+                <c:pt idx="61">
+                  <c:v>-9.4864683112871653</c:v>
+                </c:pt>
+                <c:pt idx="62">
+                  <c:v>-6.6834910537871117</c:v>
+                </c:pt>
+                <c:pt idx="63">
+                  <c:v>-3.8935669166143878</c:v>
+                </c:pt>
+                <c:pt idx="64">
+                  <c:v>-1.1139746736399441</c:v>
+                </c:pt>
+                <c:pt idx="65">
+                  <c:v>1.6724102896095556</c:v>
+                </c:pt>
+                <c:pt idx="66">
+                  <c:v>4.4411668022094455</c:v>
+                </c:pt>
+                <c:pt idx="67">
+                  <c:v>7.2008468721822219</c:v>
+                </c:pt>
+                <c:pt idx="68">
+                  <c:v>10.020885833634443</c:v>
+                </c:pt>
+                <c:pt idx="69">
+                  <c:v>12.773915415608224</c:v>
+                </c:pt>
+              </c:numCache>
+            </c:numRef>
+          </c:xVal>
+          <c:yVal>
+            <c:numRef>
+              <c:f>Sheet1!$D$3:$D$72</c:f>
+              <c:numCache>
+                <c:formatCode>General</c:formatCode>
+                <c:ptCount val="70"/>
+                <c:pt idx="0">
+                  <c:v>26.684559715264168</c:v>
+                </c:pt>
+                <c:pt idx="1">
+                  <c:v>26.65642639041544</c:v>
+                </c:pt>
+                <c:pt idx="2">
+                  <c:v>26.663856692351946</c:v>
+                </c:pt>
+                <c:pt idx="3">
+                  <c:v>26.648066420418719</c:v>
+                </c:pt>
+                <c:pt idx="4">
+                  <c:v>26.651045824580887</c:v>
+                </c:pt>
+                <c:pt idx="5">
+                  <c:v>26.691442736841001</c:v>
+                </c:pt>
+                <c:pt idx="6">
+                  <c:v>26.660078741347885</c:v>
+                </c:pt>
+                <c:pt idx="7">
+                  <c:v>26.657401560918004</c:v>
+                </c:pt>
+                <c:pt idx="8">
+                  <c:v>26.655482072526496</c:v>
+                </c:pt>
+                <c:pt idx="9">
+                  <c:v>26.675352659243057</c:v>
+                </c:pt>
+                <c:pt idx="10">
+                  <c:v>26.703033671494723</c:v>
+                </c:pt>
+                <c:pt idx="11">
+                  <c:v>32.238110616270667</c:v>
+                </c:pt>
+                <c:pt idx="12">
+                  <c:v>32.181118787975166</c:v>
+                </c:pt>
+                <c:pt idx="13">
+                  <c:v>32.255871732941777</c:v>
+                </c:pt>
+                <c:pt idx="14">
+                  <c:v>32.230800326849668</c:v>
+                </c:pt>
+                <c:pt idx="15">
+                  <c:v>32.236638151255335</c:v>
+                </c:pt>
+                <c:pt idx="16">
+                  <c:v>32.224058217933106</c:v>
+                </c:pt>
+                <c:pt idx="17">
+                  <c:v>32.232291885672666</c:v>
+                </c:pt>
+                <c:pt idx="18">
+                  <c:v>32.214596773884274</c:v>
+                </c:pt>
+                <c:pt idx="19">
+                  <c:v>32.233311101129551</c:v>
+                </c:pt>
+                <c:pt idx="20">
+                  <c:v>37.775894447188776</c:v>
+                </c:pt>
+                <c:pt idx="21">
+                  <c:v>37.811627391176671</c:v>
+                </c:pt>
+                <c:pt idx="22">
+                  <c:v>37.759179956325667</c:v>
+                </c:pt>
+                <c:pt idx="23">
+                  <c:v>37.762971850998333</c:v>
+                </c:pt>
+                <c:pt idx="24">
+                  <c:v>37.768411229691772</c:v>
+                </c:pt>
+                <c:pt idx="25">
+                  <c:v>37.77876302053722</c:v>
+                </c:pt>
+                <c:pt idx="26">
+                  <c:v>37.784635881306116</c:v>
+                </c:pt>
+                <c:pt idx="27">
+                  <c:v>37.73507682995966</c:v>
+                </c:pt>
+                <c:pt idx="28">
+                  <c:v>43.324362886663884</c:v>
+                </c:pt>
+                <c:pt idx="29">
+                  <c:v>43.329021228755551</c:v>
+                </c:pt>
+                <c:pt idx="30">
+                  <c:v>43.355828040082777</c:v>
+                </c:pt>
+                <c:pt idx="31">
+                  <c:v>43.307988012542772</c:v>
+                </c:pt>
+                <c:pt idx="32">
+                  <c:v>43.34563099497722</c:v>
+                </c:pt>
+                <c:pt idx="33">
+                  <c:v>43.345402319893886</c:v>
+                </c:pt>
+                <c:pt idx="34">
+                  <c:v>43.321445130842783</c:v>
+                </c:pt>
+                <c:pt idx="35">
+                  <c:v>43.308174410472226</c:v>
+                </c:pt>
+                <c:pt idx="36">
+                  <c:v>48.874644235524443</c:v>
+                </c:pt>
+                <c:pt idx="37">
+                  <c:v>48.882705895296112</c:v>
+                </c:pt>
+                <c:pt idx="38">
+                  <c:v>48.887368354374445</c:v>
+                </c:pt>
+                <c:pt idx="39">
+                  <c:v>48.852332897376115</c:v>
+                </c:pt>
+                <c:pt idx="40">
+                  <c:v>48.838687463574999</c:v>
+                </c:pt>
+                <c:pt idx="41">
+                  <c:v>48.899826416889447</c:v>
+                </c:pt>
+                <c:pt idx="42">
+                  <c:v>54.458081473000561</c:v>
+                </c:pt>
+                <c:pt idx="43">
+                  <c:v>54.450369569268339</c:v>
+                </c:pt>
+                <c:pt idx="44">
+                  <c:v>54.413872244455</c:v>
+                </c:pt>
+                <c:pt idx="45">
+                  <c:v>54.403127589899434</c:v>
+                </c:pt>
+                <c:pt idx="46">
+                  <c:v>54.434775253513877</c:v>
+                </c:pt>
+                <c:pt idx="47">
+                  <c:v>54.425095712405557</c:v>
+                </c:pt>
+                <c:pt idx="48">
+                  <c:v>54.437981387082772</c:v>
+                </c:pt>
+                <c:pt idx="49">
+                  <c:v>54.501041708112218</c:v>
+                </c:pt>
+                <c:pt idx="50">
+                  <c:v>54.481730588476104</c:v>
+                </c:pt>
+                <c:pt idx="51">
+                  <c:v>60.045560301688326</c:v>
+                </c:pt>
+                <c:pt idx="52">
+                  <c:v>59.980589494961109</c:v>
+                </c:pt>
+                <c:pt idx="53">
+                  <c:v>60.026107507438333</c:v>
+                </c:pt>
+                <c:pt idx="54">
+                  <c:v>59.942610425603327</c:v>
+                </c:pt>
+                <c:pt idx="55">
+                  <c:v>60.001055584862222</c:v>
+                </c:pt>
+                <c:pt idx="56">
+                  <c:v>60.027582133792222</c:v>
+                </c:pt>
+                <c:pt idx="57">
+                  <c:v>59.969474301544444</c:v>
+                </c:pt>
+                <c:pt idx="58">
+                  <c:v>59.96126944317222</c:v>
+                </c:pt>
+                <c:pt idx="59">
+                  <c:v>60.023209210812226</c:v>
+                </c:pt>
+                <c:pt idx="60">
+                  <c:v>65.553856535216667</c:v>
+                </c:pt>
+                <c:pt idx="61">
+                  <c:v>65.531095794747216</c:v>
+                </c:pt>
+                <c:pt idx="62">
+                  <c:v>65.567274224291666</c:v>
+                </c:pt>
+                <c:pt idx="63">
+                  <c:v>65.512858118848882</c:v>
+                </c:pt>
+                <c:pt idx="64">
+                  <c:v>65.580379181505563</c:v>
+                </c:pt>
+                <c:pt idx="65">
+                  <c:v>65.544740531889445</c:v>
+                </c:pt>
+                <c:pt idx="66">
+                  <c:v>65.563965919847774</c:v>
+                </c:pt>
+                <c:pt idx="67">
+                  <c:v>65.567929021172773</c:v>
+                </c:pt>
+                <c:pt idx="68">
+                  <c:v>65.557614097062782</c:v>
+                </c:pt>
+                <c:pt idx="69">
+                  <c:v>65.546163975508335</c:v>
+                </c:pt>
+              </c:numCache>
+            </c:numRef>
+          </c:yVal>
+          <c:smooth val="0"/>
+        </c:ser>
+        <c:ser>
+          <c:idx val="1"/>
+          <c:order val="1"/>
+          <c:tx>
+            <c:v>Map 7</c:v>
+          </c:tx>
+          <c:spPr>
+            <a:ln w="28575">
+              <a:noFill/>
+            </a:ln>
+          </c:spPr>
+          <c:marker>
+            <c:symbol val="circle"/>
+            <c:size val="22"/>
+            <c:spPr>
+              <a:noFill/>
+              <a:ln>
+                <a:solidFill>
+                  <a:schemeClr val="tx1"/>
+                </a:solidFill>
+              </a:ln>
+            </c:spPr>
+          </c:marker>
+          <c:xVal>
+            <c:numRef>
+              <c:f>Sheet1!$G$3:$G$72</c:f>
+              <c:numCache>
+                <c:formatCode>General</c:formatCode>
+                <c:ptCount val="70"/>
+                <c:pt idx="0">
+                  <c:v>-14.990149439887329</c:v>
+                </c:pt>
+                <c:pt idx="1">
+                  <c:v>1.6999238798422784</c:v>
+                </c:pt>
+                <c:pt idx="2">
+                  <c:v>7.2253860712686677</c:v>
+                </c:pt>
+                <c:pt idx="3">
+                  <c:v>-15.022134911463516</c:v>
+                </c:pt>
+                <c:pt idx="4">
+                  <c:v>-6.6921413047550553</c:v>
+                </c:pt>
+                <c:pt idx="5">
+                  <c:v>1.6427956881661663</c:v>
+                </c:pt>
+                <c:pt idx="6">
+                  <c:v>12.78900418626611</c:v>
+                </c:pt>
+                <c:pt idx="7">
+                  <c:v>-15.017997446666193</c:v>
+                </c:pt>
+                <c:pt idx="8">
+                  <c:v>1.6642578361919449</c:v>
+                </c:pt>
+                <c:pt idx="9">
+                  <c:v>7.2139087229033905</c:v>
+                </c:pt>
+                <c:pt idx="10">
+                  <c:v>-6.6560741472008882</c:v>
+                </c:pt>
+                <c:pt idx="11">
+                  <c:v>-1.1213996390984446</c:v>
+                </c:pt>
+                <c:pt idx="12">
+                  <c:v>7.2234681225746655</c:v>
+                </c:pt>
+                <c:pt idx="13">
+                  <c:v>12.761752769399221</c:v>
+                </c:pt>
+                <c:pt idx="14">
+                  <c:v>-15.00149446267759</c:v>
+                </c:pt>
+                <c:pt idx="15">
+                  <c:v>1.6690753956388902</c:v>
+                </c:pt>
+                <c:pt idx="16">
+                  <c:v>7.2208643743642789</c:v>
+                </c:pt>
+                <c:pt idx="17">
+                  <c:v>-6.6419562241267212</c:v>
+                </c:pt>
+                <c:pt idx="18">
+                  <c:v>7.1970435803600568</c:v>
+                </c:pt>
+                <c:pt idx="19">
+                  <c:v>12.790459988441832</c:v>
+                </c:pt>
+                <c:pt idx="20">
+                  <c:v>-14.984672226696066</c:v>
+                </c:pt>
+                <c:pt idx="21">
+                  <c:v>1.678604442562555</c:v>
+                </c:pt>
+                <c:pt idx="22">
+                  <c:v>-6.6834910537871117</c:v>
+                </c:pt>
+                <c:pt idx="23">
+                  <c:v>12.773915415608224</c:v>
+                </c:pt>
+              </c:numCache>
+            </c:numRef>
+          </c:xVal>
+          <c:yVal>
+            <c:numRef>
+              <c:f>Sheet1!$H$3:$H$72</c:f>
+              <c:numCache>
+                <c:formatCode>General</c:formatCode>
+                <c:ptCount val="70"/>
+                <c:pt idx="0">
+                  <c:v>26.684559715264168</c:v>
+                </c:pt>
+                <c:pt idx="1">
+                  <c:v>26.660078741347885</c:v>
+                </c:pt>
+                <c:pt idx="2">
+                  <c:v>26.655482072526496</c:v>
+                </c:pt>
+                <c:pt idx="3">
+                  <c:v>32.238110616270667</c:v>
+                </c:pt>
+                <c:pt idx="4">
+                  <c:v>32.230800326849668</c:v>
+                </c:pt>
+                <c:pt idx="5">
+                  <c:v>32.224058217933106</c:v>
+                </c:pt>
+                <c:pt idx="6">
+                  <c:v>32.233311101129551</c:v>
+                </c:pt>
+                <c:pt idx="7">
+                  <c:v>37.775894447188776</c:v>
+                </c:pt>
+                <c:pt idx="8">
+                  <c:v>37.818723817180555</c:v>
+                </c:pt>
+                <c:pt idx="9">
+                  <c:v>37.784635881306116</c:v>
+                </c:pt>
+                <c:pt idx="10">
+                  <c:v>43.305415568251114</c:v>
+                </c:pt>
+                <c:pt idx="11">
+                  <c:v>43.307988012542772</c:v>
+                </c:pt>
+                <c:pt idx="12">
+                  <c:v>43.345402319893886</c:v>
+                </c:pt>
+                <c:pt idx="13">
+                  <c:v>43.308174410472226</c:v>
+                </c:pt>
+                <c:pt idx="14">
+                  <c:v>48.874644235524443</c:v>
+                </c:pt>
+                <c:pt idx="15">
+                  <c:v>48.887368354374445</c:v>
+                </c:pt>
+                <c:pt idx="16">
+                  <c:v>48.838687463574999</c:v>
+                </c:pt>
+                <c:pt idx="17">
+                  <c:v>54.413872244455</c:v>
+                </c:pt>
+                <c:pt idx="18">
+                  <c:v>54.437981387082772</c:v>
+                </c:pt>
+                <c:pt idx="19">
+                  <c:v>54.481730588476104</c:v>
+                </c:pt>
+                <c:pt idx="20">
+                  <c:v>60.045560301688326</c:v>
+                </c:pt>
+                <c:pt idx="21">
+                  <c:v>60.027582133792222</c:v>
+                </c:pt>
+                <c:pt idx="22">
+                  <c:v>65.567274224291666</c:v>
+                </c:pt>
+                <c:pt idx="23">
+                  <c:v>65.546163975508335</c:v>
+                </c:pt>
+              </c:numCache>
+            </c:numRef>
+          </c:yVal>
+          <c:smooth val="0"/>
+        </c:ser>
+        <c:dLbls>
+          <c:showLegendKey val="0"/>
+          <c:showVal val="0"/>
+          <c:showCatName val="0"/>
+          <c:showSerName val="0"/>
+          <c:showPercent val="0"/>
+          <c:showBubbleSize val="0"/>
+        </c:dLbls>
+        <c:axId val="78730880"/>
+        <c:axId val="78731456"/>
+      </c:scatterChart>
+      <c:valAx>
+        <c:axId val="78730880"/>
+        <c:scaling>
+          <c:orientation val="minMax"/>
+          <c:max val="15"/>
+          <c:min val="-30"/>
+        </c:scaling>
+        <c:delete val="0"/>
+        <c:axPos val="b"/>
+        <c:numFmt formatCode="#,##0" sourceLinked="0"/>
+        <c:majorTickMark val="out"/>
+        <c:minorTickMark val="none"/>
+        <c:tickLblPos val="nextTo"/>
+        <c:crossAx val="78731456"/>
+        <c:crosses val="autoZero"/>
+        <c:crossBetween val="midCat"/>
+        <c:majorUnit val="10"/>
+      </c:valAx>
+      <c:valAx>
+        <c:axId val="78731456"/>
+        <c:scaling>
+          <c:orientation val="minMax"/>
+          <c:min val="15"/>
+        </c:scaling>
+        <c:delete val="0"/>
+        <c:axPos val="l"/>
+        <c:majorGridlines/>
+        <c:title>
+          <c:tx>
+            <c:rich>
+              <a:bodyPr rot="-5400000" vert="horz"/>
+              <a:lstStyle/>
+              <a:p>
+                <a:pPr>
+                  <a:defRPr/>
+                </a:pPr>
+                <a:r>
+                  <a:rPr lang="en-US"/>
+                  <a:t>Condensing temperature [°C]</a:t>
+                </a:r>
+              </a:p>
+            </c:rich>
+          </c:tx>
+          <c:layout>
+            <c:manualLayout>
+              <c:xMode val="edge"/>
+              <c:yMode val="edge"/>
+              <c:x val="4.3087328263086914E-2"/>
+              <c:y val="5.4398148148148147E-2"/>
+            </c:manualLayout>
+          </c:layout>
+          <c:overlay val="0"/>
+        </c:title>
+        <c:numFmt formatCode="#,##0" sourceLinked="0"/>
+        <c:majorTickMark val="out"/>
+        <c:minorTickMark val="none"/>
+        <c:tickLblPos val="nextTo"/>
+        <c:crossAx val="78730880"/>
+        <c:crossesAt val="-30"/>
+        <c:crossBetween val="midCat"/>
+      </c:valAx>
+    </c:plotArea>
+    <c:legend>
+      <c:legendPos val="r"/>
+      <c:layout>
+        <c:manualLayout>
+          <c:xMode val="edge"/>
+          <c:yMode val="edge"/>
+          <c:x val="0.21594211430644641"/>
+          <c:y val="8.1643700787401574E-2"/>
+          <c:w val="0.17979586667670674"/>
+          <c:h val="0.20708296879556723"/>
+        </c:manualLayout>
+      </c:layout>
+      <c:overlay val="0"/>
+      <c:spPr>
+        <a:solidFill>
+          <a:schemeClr val="bg1">
+            <a:alpha val="80000"/>
+          </a:schemeClr>
+        </a:solidFill>
+      </c:spPr>
+    </c:legend>
+    <c:plotVisOnly val="1"/>
+    <c:dispBlanksAs val="gap"/>
+    <c:showDLblsOverMax val="0"/>
+  </c:chart>
+  <c:txPr>
+    <a:bodyPr/>
+    <a:lstStyle/>
+    <a:p>
+      <a:pPr>
+        <a:defRPr sz="2500">
+          <a:latin typeface="Garamond" panose="02020404030301010803" pitchFamily="18" charset="0"/>
+        </a:defRPr>
+      </a:pPr>
+      <a:endParaRPr lang="en-US"/>
+    </a:p>
+  </c:txPr>
+  <c:externalData r:id="rId1">
+    <c:autoUpdate val="0"/>
+  </c:externalData>
+  <c:userShapes r:id="rId2"/>
+</c:chartSpace>
+</file>
+
+<file path=ppt/drawings/drawing1.xml><?xml version="1.0" encoding="utf-8"?>
+<c:userShapes xmlns:c="http://schemas.openxmlformats.org/drawingml/2006/chart">
+  <cdr:relSizeAnchor xmlns:cdr="http://schemas.openxmlformats.org/drawingml/2006/chartDrawing">
+    <cdr:from>
+      <cdr:x>0.27125</cdr:x>
+      <cdr:y>0.88889</cdr:y>
+    </cdr:from>
+    <cdr:to>
+      <cdr:x>0.83397</cdr:x>
+      <cdr:y>0.98958</cdr:y>
+    </cdr:to>
+    <cdr:sp macro="" textlink="">
+      <cdr:nvSpPr>
+        <cdr:cNvPr id="3" name="TextBox 2"/>
+        <cdr:cNvSpPr txBox="1"/>
+      </cdr:nvSpPr>
+      <cdr:spPr>
+        <a:xfrm xmlns:a="http://schemas.openxmlformats.org/drawingml/2006/main">
+          <a:off x="990600" y="2438400"/>
+          <a:ext cx="2055080" cy="276225"/>
+        </a:xfrm>
+        <a:prstGeom xmlns:a="http://schemas.openxmlformats.org/drawingml/2006/main" prst="rect">
+          <a:avLst/>
+        </a:prstGeom>
+      </cdr:spPr>
+      <cdr:txBody>
+        <a:bodyPr xmlns:a="http://schemas.openxmlformats.org/drawingml/2006/main" vertOverflow="clip" wrap="none" rtlCol="0"/>
+        <a:lstStyle xmlns:a="http://schemas.openxmlformats.org/drawingml/2006/main"/>
+        <a:p xmlns:a="http://schemas.openxmlformats.org/drawingml/2006/main">
+          <a:pPr marL="0" marR="0" indent="0" defTabSz="914400" rtl="0" eaLnBrk="1" fontAlgn="auto" latinLnBrk="0" hangingPunct="1">
+            <a:lnSpc>
+              <a:spcPct val="100000"/>
+            </a:lnSpc>
+            <a:spcBef>
+              <a:spcPts val="0"/>
+            </a:spcBef>
+            <a:spcAft>
+              <a:spcPts val="0"/>
+            </a:spcAft>
+            <a:buClrTx/>
+            <a:buSzTx/>
+            <a:buFontTx/>
+            <a:buNone/>
+            <a:tabLst/>
+            <a:defRPr/>
+          </a:pPr>
+          <a:r>
+            <a:rPr lang="en-US" sz="2500" b="1" i="0" baseline="0" dirty="0">
+              <a:effectLst/>
+              <a:latin typeface="Garamond" panose="02020404030301010803" pitchFamily="18" charset="0"/>
+              <a:ea typeface="+mn-ea"/>
+              <a:cs typeface="+mn-cs"/>
+            </a:rPr>
+            <a:t>Evaporating temperature [°C]</a:t>
+          </a:r>
+          <a:endParaRPr lang="en-US" sz="2500" dirty="0">
+            <a:effectLst/>
+            <a:latin typeface="Garamond" panose="02020404030301010803" pitchFamily="18" charset="0"/>
+          </a:endParaRPr>
+        </a:p>
+        <a:p xmlns:a="http://schemas.openxmlformats.org/drawingml/2006/main">
+          <a:endParaRPr lang="en-US" sz="2500" dirty="0">
+            <a:latin typeface="Garamond" panose="02020404030301010803" pitchFamily="18" charset="0"/>
+          </a:endParaRPr>
+        </a:p>
+      </cdr:txBody>
+    </cdr:sp>
+  </cdr:relSizeAnchor>
+</c:userShapes>
 </file>
 
 <file path=ppt/slideLayouts/slideLayout1.xml><?xml version="1.0" encoding="utf-8"?>
@@ -304,7 +1176,7 @@
           <a:p>
             <a:fld id="{987A5A01-F4F1-466C-A6C7-6D43425C9F0D}" type="datetimeFigureOut">
               <a:rPr lang="en-US" smtClean="0"/>
-              <a:t>2/8/2015</a:t>
+              <a:t>2/9/2015</a:t>
             </a:fld>
             <a:endParaRPr lang="en-US"/>
           </a:p>
@@ -474,7 +1346,7 @@
           <a:p>
             <a:fld id="{987A5A01-F4F1-466C-A6C7-6D43425C9F0D}" type="datetimeFigureOut">
               <a:rPr lang="en-US" smtClean="0"/>
-              <a:t>2/8/2015</a:t>
+              <a:t>2/9/2015</a:t>
             </a:fld>
             <a:endParaRPr lang="en-US"/>
           </a:p>
@@ -654,7 +1526,7 @@
           <a:p>
             <a:fld id="{987A5A01-F4F1-466C-A6C7-6D43425C9F0D}" type="datetimeFigureOut">
               <a:rPr lang="en-US" smtClean="0"/>
-              <a:t>2/8/2015</a:t>
+              <a:t>2/9/2015</a:t>
             </a:fld>
             <a:endParaRPr lang="en-US"/>
           </a:p>
@@ -824,7 +1696,7 @@
           <a:p>
             <a:fld id="{987A5A01-F4F1-466C-A6C7-6D43425C9F0D}" type="datetimeFigureOut">
               <a:rPr lang="en-US" smtClean="0"/>
-              <a:t>2/8/2015</a:t>
+              <a:t>2/9/2015</a:t>
             </a:fld>
             <a:endParaRPr lang="en-US"/>
           </a:p>
@@ -1070,7 +1942,7 @@
           <a:p>
             <a:fld id="{987A5A01-F4F1-466C-A6C7-6D43425C9F0D}" type="datetimeFigureOut">
               <a:rPr lang="en-US" smtClean="0"/>
-              <a:t>2/8/2015</a:t>
+              <a:t>2/9/2015</a:t>
             </a:fld>
             <a:endParaRPr lang="en-US"/>
           </a:p>
@@ -1358,7 +2230,7 @@
           <a:p>
             <a:fld id="{987A5A01-F4F1-466C-A6C7-6D43425C9F0D}" type="datetimeFigureOut">
               <a:rPr lang="en-US" smtClean="0"/>
-              <a:t>2/8/2015</a:t>
+              <a:t>2/9/2015</a:t>
             </a:fld>
             <a:endParaRPr lang="en-US"/>
           </a:p>
@@ -1780,7 +2652,7 @@
           <a:p>
             <a:fld id="{987A5A01-F4F1-466C-A6C7-6D43425C9F0D}" type="datetimeFigureOut">
               <a:rPr lang="en-US" smtClean="0"/>
-              <a:t>2/8/2015</a:t>
+              <a:t>2/9/2015</a:t>
             </a:fld>
             <a:endParaRPr lang="en-US"/>
           </a:p>
@@ -1898,7 +2770,7 @@
           <a:p>
             <a:fld id="{987A5A01-F4F1-466C-A6C7-6D43425C9F0D}" type="datetimeFigureOut">
               <a:rPr lang="en-US" smtClean="0"/>
-              <a:t>2/8/2015</a:t>
+              <a:t>2/9/2015</a:t>
             </a:fld>
             <a:endParaRPr lang="en-US"/>
           </a:p>
@@ -1993,7 +2865,7 @@
           <a:p>
             <a:fld id="{987A5A01-F4F1-466C-A6C7-6D43425C9F0D}" type="datetimeFigureOut">
               <a:rPr lang="en-US" smtClean="0"/>
-              <a:t>2/8/2015</a:t>
+              <a:t>2/9/2015</a:t>
             </a:fld>
             <a:endParaRPr lang="en-US"/>
           </a:p>
@@ -2270,7 +3142,7 @@
           <a:p>
             <a:fld id="{987A5A01-F4F1-466C-A6C7-6D43425C9F0D}" type="datetimeFigureOut">
               <a:rPr lang="en-US" smtClean="0"/>
-              <a:t>2/8/2015</a:t>
+              <a:t>2/9/2015</a:t>
             </a:fld>
             <a:endParaRPr lang="en-US"/>
           </a:p>
@@ -2523,7 +3395,7 @@
           <a:p>
             <a:fld id="{987A5A01-F4F1-466C-A6C7-6D43425C9F0D}" type="datetimeFigureOut">
               <a:rPr lang="en-US" smtClean="0"/>
-              <a:t>2/8/2015</a:t>
+              <a:t>2/9/2015</a:t>
             </a:fld>
             <a:endParaRPr lang="en-US"/>
           </a:p>
@@ -2736,7 +3608,7 @@
           <a:p>
             <a:fld id="{987A5A01-F4F1-466C-A6C7-6D43425C9F0D}" type="datetimeFigureOut">
               <a:rPr lang="en-US" smtClean="0"/>
-              <a:t>2/8/2015</a:t>
+              <a:t>2/9/2015</a:t>
             </a:fld>
             <a:endParaRPr lang="en-US"/>
           </a:p>
@@ -3111,30 +3983,30 @@
           <a:chExt cx="0" cy="0"/>
         </a:xfrm>
       </p:grpSpPr>
-      <p:pic>
-        <p:nvPicPr>
-          <p:cNvPr id="3" name="Picture 2"/>
-          <p:cNvPicPr>
-            <a:picLocks noChangeAspect="1"/>
-          </p:cNvPicPr>
-          <p:nvPr/>
-        </p:nvPicPr>
-        <p:blipFill>
-          <a:blip r:embed="rId2"/>
-          <a:stretch>
-            <a:fillRect/>
-          </a:stretch>
-        </p:blipFill>
-        <p:spPr>
-          <a:xfrm>
-            <a:off x="0" y="0"/>
-            <a:ext cx="9144000" cy="6862110"/>
-          </a:xfrm>
-          <a:prstGeom prst="rect">
-            <a:avLst/>
-          </a:prstGeom>
-        </p:spPr>
-      </p:pic>
+      <p:graphicFrame>
+        <p:nvGraphicFramePr>
+          <p:cNvPr id="4" name="Chart 3"/>
+          <p:cNvGraphicFramePr>
+            <a:graphicFrameLocks/>
+          </p:cNvGraphicFramePr>
+          <p:nvPr>
+            <p:extLst>
+              <p:ext uri="{D42A27DB-BD31-4B8C-83A1-F6EECF244321}">
+                <p14:modId xmlns:p14="http://schemas.microsoft.com/office/powerpoint/2010/main" val="3489667773"/>
+              </p:ext>
+            </p:extLst>
+          </p:nvPr>
+        </p:nvGraphicFramePr>
+        <p:xfrm>
+          <a:off x="0" y="0"/>
+          <a:ext cx="9144000" cy="6858000"/>
+        </p:xfrm>
+        <a:graphic>
+          <a:graphicData uri="http://schemas.openxmlformats.org/drawingml/2006/chart">
+            <c:chart xmlns:c="http://schemas.openxmlformats.org/drawingml/2006/chart" xmlns:r="http://schemas.openxmlformats.org/officeDocument/2006/relationships" r:id="rId2"/>
+          </a:graphicData>
+        </a:graphic>
+      </p:graphicFrame>
     </p:spTree>
     <p:extLst>
       <p:ext uri="{BB962C8B-B14F-4D97-AF65-F5344CB8AC3E}">
